--- a/ppt 16-9/0661.唱支属灵歌.pptx
+++ b/ppt 16-9/0661.唱支属灵歌.pptx
@@ -129,7 +129,7 @@
           <p:cNvPr id="2" name="标题 1">
             <a:extLst>
               <a:ext uri="{FF2B5EF4-FFF2-40B4-BE49-F238E27FC236}">
-                <a16:creationId xmlns:a16="http://schemas.microsoft.com/office/drawing/2014/main" id="{CE3AC226-456C-1D00-9C51-B5023EF28D6F}"/>
+                <a16:creationId xmlns:a16="http://schemas.microsoft.com/office/drawing/2014/main" id="{98A0B33C-F068-294A-8483-F1DEFB1244F1}"/>
               </a:ext>
             </a:extLst>
           </p:cNvPr>
@@ -166,7 +166,7 @@
           <p:cNvPr id="3" name="副标题 2">
             <a:extLst>
               <a:ext uri="{FF2B5EF4-FFF2-40B4-BE49-F238E27FC236}">
-                <a16:creationId xmlns:a16="http://schemas.microsoft.com/office/drawing/2014/main" id="{149AA3B3-A795-A92C-64B7-142E96AF19D1}"/>
+                <a16:creationId xmlns:a16="http://schemas.microsoft.com/office/drawing/2014/main" id="{FF1A3322-C25A-61BD-4249-8B9FA391C274}"/>
               </a:ext>
             </a:extLst>
           </p:cNvPr>
@@ -236,7 +236,7 @@
           <p:cNvPr id="4" name="日期占位符 3">
             <a:extLst>
               <a:ext uri="{FF2B5EF4-FFF2-40B4-BE49-F238E27FC236}">
-                <a16:creationId xmlns:a16="http://schemas.microsoft.com/office/drawing/2014/main" id="{17758CC9-CC26-6BEC-B7F3-FD216DF884FB}"/>
+                <a16:creationId xmlns:a16="http://schemas.microsoft.com/office/drawing/2014/main" id="{D01996CB-15C0-BE2F-5D96-B1222652DA1C}"/>
               </a:ext>
             </a:extLst>
           </p:cNvPr>
@@ -252,7 +252,7 @@
           <a:bodyPr/>
           <a:lstStyle/>
           <a:p>
-            <a:fld id="{CA93CBF1-AEDE-44F3-B567-A8935244DC5B}" type="datetimeFigureOut">
+            <a:fld id="{DBACFD1F-81FB-4E99-9917-BBD6F94F84A3}" type="datetimeFigureOut">
               <a:rPr lang="zh-CN" altLang="en-US" smtClean="0"/>
               <a:t>2024/3/10</a:t>
             </a:fld>
@@ -265,7 +265,7 @@
           <p:cNvPr id="5" name="页脚占位符 4">
             <a:extLst>
               <a:ext uri="{FF2B5EF4-FFF2-40B4-BE49-F238E27FC236}">
-                <a16:creationId xmlns:a16="http://schemas.microsoft.com/office/drawing/2014/main" id="{A07AC90A-2788-298A-6E08-62477E566A68}"/>
+                <a16:creationId xmlns:a16="http://schemas.microsoft.com/office/drawing/2014/main" id="{FB9D1F7E-9242-43FA-5033-35C1D563E632}"/>
               </a:ext>
             </a:extLst>
           </p:cNvPr>
@@ -290,7 +290,7 @@
           <p:cNvPr id="6" name="灯片编号占位符 5">
             <a:extLst>
               <a:ext uri="{FF2B5EF4-FFF2-40B4-BE49-F238E27FC236}">
-                <a16:creationId xmlns:a16="http://schemas.microsoft.com/office/drawing/2014/main" id="{D82FAD2A-BDE6-882D-8489-D978F5C8EA89}"/>
+                <a16:creationId xmlns:a16="http://schemas.microsoft.com/office/drawing/2014/main" id="{E75E3A15-394C-0433-3869-D08DCFF4B655}"/>
               </a:ext>
             </a:extLst>
           </p:cNvPr>
@@ -306,7 +306,7 @@
           <a:bodyPr/>
           <a:lstStyle/>
           <a:p>
-            <a:fld id="{5502EC10-8253-4DA3-BCA7-B9D96E197B24}" type="slidenum">
+            <a:fld id="{F6EE921C-092E-4700-8CE1-32E8C7127F03}" type="slidenum">
               <a:rPr lang="zh-CN" altLang="en-US" smtClean="0"/>
               <a:t>‹#›</a:t>
             </a:fld>
@@ -317,7 +317,7 @@
     </p:spTree>
     <p:extLst>
       <p:ext uri="{BB962C8B-B14F-4D97-AF65-F5344CB8AC3E}">
-        <p14:creationId xmlns:p14="http://schemas.microsoft.com/office/powerpoint/2010/main" val="31480603"/>
+        <p14:creationId xmlns:p14="http://schemas.microsoft.com/office/powerpoint/2010/main" val="3623222173"/>
       </p:ext>
     </p:extLst>
   </p:cSld>
@@ -349,7 +349,7 @@
           <p:cNvPr id="2" name="标题 1">
             <a:extLst>
               <a:ext uri="{FF2B5EF4-FFF2-40B4-BE49-F238E27FC236}">
-                <a16:creationId xmlns:a16="http://schemas.microsoft.com/office/drawing/2014/main" id="{138E99A1-546A-5C8C-0FC0-66AA7BBA00E5}"/>
+                <a16:creationId xmlns:a16="http://schemas.microsoft.com/office/drawing/2014/main" id="{64E00410-844F-4F49-B519-FB08270D17D3}"/>
               </a:ext>
             </a:extLst>
           </p:cNvPr>
@@ -377,7 +377,7 @@
           <p:cNvPr id="3" name="竖排文字占位符 2">
             <a:extLst>
               <a:ext uri="{FF2B5EF4-FFF2-40B4-BE49-F238E27FC236}">
-                <a16:creationId xmlns:a16="http://schemas.microsoft.com/office/drawing/2014/main" id="{378442D8-DBEC-82B7-01B0-3FB9C753A44C}"/>
+                <a16:creationId xmlns:a16="http://schemas.microsoft.com/office/drawing/2014/main" id="{EB1DDD75-7731-0DD8-0BC6-B8EF2AB608F6}"/>
               </a:ext>
             </a:extLst>
           </p:cNvPr>
@@ -434,7 +434,7 @@
           <p:cNvPr id="4" name="日期占位符 3">
             <a:extLst>
               <a:ext uri="{FF2B5EF4-FFF2-40B4-BE49-F238E27FC236}">
-                <a16:creationId xmlns:a16="http://schemas.microsoft.com/office/drawing/2014/main" id="{8C7B5E5B-6AAF-FFDD-2D32-C783BE27538F}"/>
+                <a16:creationId xmlns:a16="http://schemas.microsoft.com/office/drawing/2014/main" id="{E7BCAEB8-FAFA-0BAF-4500-ACD1C79C8C22}"/>
               </a:ext>
             </a:extLst>
           </p:cNvPr>
@@ -450,7 +450,7 @@
           <a:bodyPr/>
           <a:lstStyle/>
           <a:p>
-            <a:fld id="{CA93CBF1-AEDE-44F3-B567-A8935244DC5B}" type="datetimeFigureOut">
+            <a:fld id="{DBACFD1F-81FB-4E99-9917-BBD6F94F84A3}" type="datetimeFigureOut">
               <a:rPr lang="zh-CN" altLang="en-US" smtClean="0"/>
               <a:t>2024/3/10</a:t>
             </a:fld>
@@ -463,7 +463,7 @@
           <p:cNvPr id="5" name="页脚占位符 4">
             <a:extLst>
               <a:ext uri="{FF2B5EF4-FFF2-40B4-BE49-F238E27FC236}">
-                <a16:creationId xmlns:a16="http://schemas.microsoft.com/office/drawing/2014/main" id="{66213459-2EB7-E4A9-2DB1-5E35D87DF315}"/>
+                <a16:creationId xmlns:a16="http://schemas.microsoft.com/office/drawing/2014/main" id="{A5E87232-DA78-71EC-20CD-355B5FDAB895}"/>
               </a:ext>
             </a:extLst>
           </p:cNvPr>
@@ -488,7 +488,7 @@
           <p:cNvPr id="6" name="灯片编号占位符 5">
             <a:extLst>
               <a:ext uri="{FF2B5EF4-FFF2-40B4-BE49-F238E27FC236}">
-                <a16:creationId xmlns:a16="http://schemas.microsoft.com/office/drawing/2014/main" id="{E94EA15E-D7E0-5681-F8B9-60E74FEB67E3}"/>
+                <a16:creationId xmlns:a16="http://schemas.microsoft.com/office/drawing/2014/main" id="{040EA88A-943C-5E14-0E46-00A0D8AEEA6F}"/>
               </a:ext>
             </a:extLst>
           </p:cNvPr>
@@ -504,7 +504,7 @@
           <a:bodyPr/>
           <a:lstStyle/>
           <a:p>
-            <a:fld id="{5502EC10-8253-4DA3-BCA7-B9D96E197B24}" type="slidenum">
+            <a:fld id="{F6EE921C-092E-4700-8CE1-32E8C7127F03}" type="slidenum">
               <a:rPr lang="zh-CN" altLang="en-US" smtClean="0"/>
               <a:t>‹#›</a:t>
             </a:fld>
@@ -515,7 +515,7 @@
     </p:spTree>
     <p:extLst>
       <p:ext uri="{BB962C8B-B14F-4D97-AF65-F5344CB8AC3E}">
-        <p14:creationId xmlns:p14="http://schemas.microsoft.com/office/powerpoint/2010/main" val="4243202676"/>
+        <p14:creationId xmlns:p14="http://schemas.microsoft.com/office/powerpoint/2010/main" val="1107296258"/>
       </p:ext>
     </p:extLst>
   </p:cSld>
@@ -547,7 +547,7 @@
           <p:cNvPr id="2" name="竖排标题 1">
             <a:extLst>
               <a:ext uri="{FF2B5EF4-FFF2-40B4-BE49-F238E27FC236}">
-                <a16:creationId xmlns:a16="http://schemas.microsoft.com/office/drawing/2014/main" id="{2C59141C-3414-5230-6B6C-E66589809909}"/>
+                <a16:creationId xmlns:a16="http://schemas.microsoft.com/office/drawing/2014/main" id="{93CE832D-597A-5328-7A7D-95EE542ED0E3}"/>
               </a:ext>
             </a:extLst>
           </p:cNvPr>
@@ -580,7 +580,7 @@
           <p:cNvPr id="3" name="竖排文字占位符 2">
             <a:extLst>
               <a:ext uri="{FF2B5EF4-FFF2-40B4-BE49-F238E27FC236}">
-                <a16:creationId xmlns:a16="http://schemas.microsoft.com/office/drawing/2014/main" id="{5FC77F19-21C7-67D0-AAAC-44A0D24D541F}"/>
+                <a16:creationId xmlns:a16="http://schemas.microsoft.com/office/drawing/2014/main" id="{F9DBC09C-3E1A-AA22-42B2-25354D66F9D2}"/>
               </a:ext>
             </a:extLst>
           </p:cNvPr>
@@ -642,7 +642,7 @@
           <p:cNvPr id="4" name="日期占位符 3">
             <a:extLst>
               <a:ext uri="{FF2B5EF4-FFF2-40B4-BE49-F238E27FC236}">
-                <a16:creationId xmlns:a16="http://schemas.microsoft.com/office/drawing/2014/main" id="{F370736A-D3DD-0BEC-FFB8-B79EDA0D116C}"/>
+                <a16:creationId xmlns:a16="http://schemas.microsoft.com/office/drawing/2014/main" id="{7DDA306F-A4B1-8595-09A9-D1D0183A738A}"/>
               </a:ext>
             </a:extLst>
           </p:cNvPr>
@@ -658,7 +658,7 @@
           <a:bodyPr/>
           <a:lstStyle/>
           <a:p>
-            <a:fld id="{CA93CBF1-AEDE-44F3-B567-A8935244DC5B}" type="datetimeFigureOut">
+            <a:fld id="{DBACFD1F-81FB-4E99-9917-BBD6F94F84A3}" type="datetimeFigureOut">
               <a:rPr lang="zh-CN" altLang="en-US" smtClean="0"/>
               <a:t>2024/3/10</a:t>
             </a:fld>
@@ -671,7 +671,7 @@
           <p:cNvPr id="5" name="页脚占位符 4">
             <a:extLst>
               <a:ext uri="{FF2B5EF4-FFF2-40B4-BE49-F238E27FC236}">
-                <a16:creationId xmlns:a16="http://schemas.microsoft.com/office/drawing/2014/main" id="{0E00EA4D-969A-8923-FAC7-0BBF5232C819}"/>
+                <a16:creationId xmlns:a16="http://schemas.microsoft.com/office/drawing/2014/main" id="{F8498F0A-A171-507B-F4A0-BB1BC42CC737}"/>
               </a:ext>
             </a:extLst>
           </p:cNvPr>
@@ -696,7 +696,7 @@
           <p:cNvPr id="6" name="灯片编号占位符 5">
             <a:extLst>
               <a:ext uri="{FF2B5EF4-FFF2-40B4-BE49-F238E27FC236}">
-                <a16:creationId xmlns:a16="http://schemas.microsoft.com/office/drawing/2014/main" id="{F84AFA84-4976-AA40-94FD-A9094F8C923E}"/>
+                <a16:creationId xmlns:a16="http://schemas.microsoft.com/office/drawing/2014/main" id="{2D7BD9CE-2C70-2F0A-1EFD-4BDC45E85C54}"/>
               </a:ext>
             </a:extLst>
           </p:cNvPr>
@@ -712,7 +712,7 @@
           <a:bodyPr/>
           <a:lstStyle/>
           <a:p>
-            <a:fld id="{5502EC10-8253-4DA3-BCA7-B9D96E197B24}" type="slidenum">
+            <a:fld id="{F6EE921C-092E-4700-8CE1-32E8C7127F03}" type="slidenum">
               <a:rPr lang="zh-CN" altLang="en-US" smtClean="0"/>
               <a:t>‹#›</a:t>
             </a:fld>
@@ -723,7 +723,7 @@
     </p:spTree>
     <p:extLst>
       <p:ext uri="{BB962C8B-B14F-4D97-AF65-F5344CB8AC3E}">
-        <p14:creationId xmlns:p14="http://schemas.microsoft.com/office/powerpoint/2010/main" val="2912922786"/>
+        <p14:creationId xmlns:p14="http://schemas.microsoft.com/office/powerpoint/2010/main" val="1085881473"/>
       </p:ext>
     </p:extLst>
   </p:cSld>
@@ -755,7 +755,7 @@
           <p:cNvPr id="2" name="标题 1">
             <a:extLst>
               <a:ext uri="{FF2B5EF4-FFF2-40B4-BE49-F238E27FC236}">
-                <a16:creationId xmlns:a16="http://schemas.microsoft.com/office/drawing/2014/main" id="{374E85C5-B693-9423-D5B1-1C5C4040387B}"/>
+                <a16:creationId xmlns:a16="http://schemas.microsoft.com/office/drawing/2014/main" id="{3A729AEB-F192-DD85-7BEA-E1E36E3CCE83}"/>
               </a:ext>
             </a:extLst>
           </p:cNvPr>
@@ -783,7 +783,7 @@
           <p:cNvPr id="3" name="内容占位符 2">
             <a:extLst>
               <a:ext uri="{FF2B5EF4-FFF2-40B4-BE49-F238E27FC236}">
-                <a16:creationId xmlns:a16="http://schemas.microsoft.com/office/drawing/2014/main" id="{10E6F990-7606-D434-6A00-103968D58A7D}"/>
+                <a16:creationId xmlns:a16="http://schemas.microsoft.com/office/drawing/2014/main" id="{5D3E2B86-F037-0C37-D915-D9A891545DD8}"/>
               </a:ext>
             </a:extLst>
           </p:cNvPr>
@@ -840,7 +840,7 @@
           <p:cNvPr id="4" name="日期占位符 3">
             <a:extLst>
               <a:ext uri="{FF2B5EF4-FFF2-40B4-BE49-F238E27FC236}">
-                <a16:creationId xmlns:a16="http://schemas.microsoft.com/office/drawing/2014/main" id="{ECC77228-2587-5F6E-9D20-79FCB6147E52}"/>
+                <a16:creationId xmlns:a16="http://schemas.microsoft.com/office/drawing/2014/main" id="{47A7355B-269F-D4D5-0BD3-8150392ED1DE}"/>
               </a:ext>
             </a:extLst>
           </p:cNvPr>
@@ -856,7 +856,7 @@
           <a:bodyPr/>
           <a:lstStyle/>
           <a:p>
-            <a:fld id="{CA93CBF1-AEDE-44F3-B567-A8935244DC5B}" type="datetimeFigureOut">
+            <a:fld id="{DBACFD1F-81FB-4E99-9917-BBD6F94F84A3}" type="datetimeFigureOut">
               <a:rPr lang="zh-CN" altLang="en-US" smtClean="0"/>
               <a:t>2024/3/10</a:t>
             </a:fld>
@@ -869,7 +869,7 @@
           <p:cNvPr id="5" name="页脚占位符 4">
             <a:extLst>
               <a:ext uri="{FF2B5EF4-FFF2-40B4-BE49-F238E27FC236}">
-                <a16:creationId xmlns:a16="http://schemas.microsoft.com/office/drawing/2014/main" id="{6178E670-0FF4-64F5-773C-98912276F256}"/>
+                <a16:creationId xmlns:a16="http://schemas.microsoft.com/office/drawing/2014/main" id="{BD58675F-6D7E-79E2-E2BF-D1229DC813E3}"/>
               </a:ext>
             </a:extLst>
           </p:cNvPr>
@@ -894,7 +894,7 @@
           <p:cNvPr id="6" name="灯片编号占位符 5">
             <a:extLst>
               <a:ext uri="{FF2B5EF4-FFF2-40B4-BE49-F238E27FC236}">
-                <a16:creationId xmlns:a16="http://schemas.microsoft.com/office/drawing/2014/main" id="{C9765EEA-5BE4-A5BD-6226-0FCC29D483E9}"/>
+                <a16:creationId xmlns:a16="http://schemas.microsoft.com/office/drawing/2014/main" id="{912BE9F3-1C79-E910-E440-E0935524FF4F}"/>
               </a:ext>
             </a:extLst>
           </p:cNvPr>
@@ -910,7 +910,7 @@
           <a:bodyPr/>
           <a:lstStyle/>
           <a:p>
-            <a:fld id="{5502EC10-8253-4DA3-BCA7-B9D96E197B24}" type="slidenum">
+            <a:fld id="{F6EE921C-092E-4700-8CE1-32E8C7127F03}" type="slidenum">
               <a:rPr lang="zh-CN" altLang="en-US" smtClean="0"/>
               <a:t>‹#›</a:t>
             </a:fld>
@@ -921,7 +921,7 @@
     </p:spTree>
     <p:extLst>
       <p:ext uri="{BB962C8B-B14F-4D97-AF65-F5344CB8AC3E}">
-        <p14:creationId xmlns:p14="http://schemas.microsoft.com/office/powerpoint/2010/main" val="936994060"/>
+        <p14:creationId xmlns:p14="http://schemas.microsoft.com/office/powerpoint/2010/main" val="3696104162"/>
       </p:ext>
     </p:extLst>
   </p:cSld>
@@ -953,7 +953,7 @@
           <p:cNvPr id="2" name="标题 1">
             <a:extLst>
               <a:ext uri="{FF2B5EF4-FFF2-40B4-BE49-F238E27FC236}">
-                <a16:creationId xmlns:a16="http://schemas.microsoft.com/office/drawing/2014/main" id="{4B034E95-E6EF-57E0-3BB5-FB4D778C6821}"/>
+                <a16:creationId xmlns:a16="http://schemas.microsoft.com/office/drawing/2014/main" id="{7FC96AB3-E948-9915-FE4E-9D187A0228C8}"/>
               </a:ext>
             </a:extLst>
           </p:cNvPr>
@@ -990,7 +990,7 @@
           <p:cNvPr id="3" name="文本占位符 2">
             <a:extLst>
               <a:ext uri="{FF2B5EF4-FFF2-40B4-BE49-F238E27FC236}">
-                <a16:creationId xmlns:a16="http://schemas.microsoft.com/office/drawing/2014/main" id="{D65F71BE-A965-DE73-9FD0-32779C41F98D}"/>
+                <a16:creationId xmlns:a16="http://schemas.microsoft.com/office/drawing/2014/main" id="{56DBE869-3CB7-DBA3-0E76-4EC2D18B55B2}"/>
               </a:ext>
             </a:extLst>
           </p:cNvPr>
@@ -1115,7 +1115,7 @@
           <p:cNvPr id="4" name="日期占位符 3">
             <a:extLst>
               <a:ext uri="{FF2B5EF4-FFF2-40B4-BE49-F238E27FC236}">
-                <a16:creationId xmlns:a16="http://schemas.microsoft.com/office/drawing/2014/main" id="{77058B38-8013-DE1E-9881-E2A060260811}"/>
+                <a16:creationId xmlns:a16="http://schemas.microsoft.com/office/drawing/2014/main" id="{5AFA7917-F650-07CD-B2D2-533AAFE2769A}"/>
               </a:ext>
             </a:extLst>
           </p:cNvPr>
@@ -1131,7 +1131,7 @@
           <a:bodyPr/>
           <a:lstStyle/>
           <a:p>
-            <a:fld id="{CA93CBF1-AEDE-44F3-B567-A8935244DC5B}" type="datetimeFigureOut">
+            <a:fld id="{DBACFD1F-81FB-4E99-9917-BBD6F94F84A3}" type="datetimeFigureOut">
               <a:rPr lang="zh-CN" altLang="en-US" smtClean="0"/>
               <a:t>2024/3/10</a:t>
             </a:fld>
@@ -1144,7 +1144,7 @@
           <p:cNvPr id="5" name="页脚占位符 4">
             <a:extLst>
               <a:ext uri="{FF2B5EF4-FFF2-40B4-BE49-F238E27FC236}">
-                <a16:creationId xmlns:a16="http://schemas.microsoft.com/office/drawing/2014/main" id="{684376CF-89F5-2B54-7938-AA0FF9ED721B}"/>
+                <a16:creationId xmlns:a16="http://schemas.microsoft.com/office/drawing/2014/main" id="{A4E98C48-B04D-49C8-F219-88CCA634B3D9}"/>
               </a:ext>
             </a:extLst>
           </p:cNvPr>
@@ -1169,7 +1169,7 @@
           <p:cNvPr id="6" name="灯片编号占位符 5">
             <a:extLst>
               <a:ext uri="{FF2B5EF4-FFF2-40B4-BE49-F238E27FC236}">
-                <a16:creationId xmlns:a16="http://schemas.microsoft.com/office/drawing/2014/main" id="{DBB8914B-ACFD-A3B3-03B1-4D9F2A16C65E}"/>
+                <a16:creationId xmlns:a16="http://schemas.microsoft.com/office/drawing/2014/main" id="{6D82C17C-F903-1D7C-B03D-4CDE3E89E88F}"/>
               </a:ext>
             </a:extLst>
           </p:cNvPr>
@@ -1185,7 +1185,7 @@
           <a:bodyPr/>
           <a:lstStyle/>
           <a:p>
-            <a:fld id="{5502EC10-8253-4DA3-BCA7-B9D96E197B24}" type="slidenum">
+            <a:fld id="{F6EE921C-092E-4700-8CE1-32E8C7127F03}" type="slidenum">
               <a:rPr lang="zh-CN" altLang="en-US" smtClean="0"/>
               <a:t>‹#›</a:t>
             </a:fld>
@@ -1196,7 +1196,7 @@
     </p:spTree>
     <p:extLst>
       <p:ext uri="{BB962C8B-B14F-4D97-AF65-F5344CB8AC3E}">
-        <p14:creationId xmlns:p14="http://schemas.microsoft.com/office/powerpoint/2010/main" val="3603456778"/>
+        <p14:creationId xmlns:p14="http://schemas.microsoft.com/office/powerpoint/2010/main" val="3863585151"/>
       </p:ext>
     </p:extLst>
   </p:cSld>
@@ -1228,7 +1228,7 @@
           <p:cNvPr id="2" name="标题 1">
             <a:extLst>
               <a:ext uri="{FF2B5EF4-FFF2-40B4-BE49-F238E27FC236}">
-                <a16:creationId xmlns:a16="http://schemas.microsoft.com/office/drawing/2014/main" id="{F53E7BBE-3F34-F36E-3003-E2BF96846EE4}"/>
+                <a16:creationId xmlns:a16="http://schemas.microsoft.com/office/drawing/2014/main" id="{A67A791E-346D-7CC8-6336-7E7E009FB491}"/>
               </a:ext>
             </a:extLst>
           </p:cNvPr>
@@ -1256,7 +1256,7 @@
           <p:cNvPr id="3" name="内容占位符 2">
             <a:extLst>
               <a:ext uri="{FF2B5EF4-FFF2-40B4-BE49-F238E27FC236}">
-                <a16:creationId xmlns:a16="http://schemas.microsoft.com/office/drawing/2014/main" id="{1A9604BC-4163-5A29-4E60-322F276F0516}"/>
+                <a16:creationId xmlns:a16="http://schemas.microsoft.com/office/drawing/2014/main" id="{51486A32-F2DA-84AF-6E59-8B921B1DB6CA}"/>
               </a:ext>
             </a:extLst>
           </p:cNvPr>
@@ -1318,7 +1318,7 @@
           <p:cNvPr id="4" name="内容占位符 3">
             <a:extLst>
               <a:ext uri="{FF2B5EF4-FFF2-40B4-BE49-F238E27FC236}">
-                <a16:creationId xmlns:a16="http://schemas.microsoft.com/office/drawing/2014/main" id="{64A30926-1463-762E-EE8A-3DEC4354EEAD}"/>
+                <a16:creationId xmlns:a16="http://schemas.microsoft.com/office/drawing/2014/main" id="{2F69EB6C-BB8E-F05B-46C6-683187806FD1}"/>
               </a:ext>
             </a:extLst>
           </p:cNvPr>
@@ -1380,7 +1380,7 @@
           <p:cNvPr id="5" name="日期占位符 4">
             <a:extLst>
               <a:ext uri="{FF2B5EF4-FFF2-40B4-BE49-F238E27FC236}">
-                <a16:creationId xmlns:a16="http://schemas.microsoft.com/office/drawing/2014/main" id="{43EA387D-1667-41F0-CD3A-B6CD4B764350}"/>
+                <a16:creationId xmlns:a16="http://schemas.microsoft.com/office/drawing/2014/main" id="{E59BCB6B-341F-D848-0BE1-864A012604B2}"/>
               </a:ext>
             </a:extLst>
           </p:cNvPr>
@@ -1396,7 +1396,7 @@
           <a:bodyPr/>
           <a:lstStyle/>
           <a:p>
-            <a:fld id="{CA93CBF1-AEDE-44F3-B567-A8935244DC5B}" type="datetimeFigureOut">
+            <a:fld id="{DBACFD1F-81FB-4E99-9917-BBD6F94F84A3}" type="datetimeFigureOut">
               <a:rPr lang="zh-CN" altLang="en-US" smtClean="0"/>
               <a:t>2024/3/10</a:t>
             </a:fld>
@@ -1409,7 +1409,7 @@
           <p:cNvPr id="6" name="页脚占位符 5">
             <a:extLst>
               <a:ext uri="{FF2B5EF4-FFF2-40B4-BE49-F238E27FC236}">
-                <a16:creationId xmlns:a16="http://schemas.microsoft.com/office/drawing/2014/main" id="{5EF62BAB-BE19-7576-B261-20C5B6B4A132}"/>
+                <a16:creationId xmlns:a16="http://schemas.microsoft.com/office/drawing/2014/main" id="{5B67265E-4B2A-15CC-A963-5EF2D7DDAF7F}"/>
               </a:ext>
             </a:extLst>
           </p:cNvPr>
@@ -1434,7 +1434,7 @@
           <p:cNvPr id="7" name="灯片编号占位符 6">
             <a:extLst>
               <a:ext uri="{FF2B5EF4-FFF2-40B4-BE49-F238E27FC236}">
-                <a16:creationId xmlns:a16="http://schemas.microsoft.com/office/drawing/2014/main" id="{21D504E5-A3EA-F3D2-4AEB-75E2B81F6A24}"/>
+                <a16:creationId xmlns:a16="http://schemas.microsoft.com/office/drawing/2014/main" id="{FB41923D-D617-6C04-68D4-2BB096F43E73}"/>
               </a:ext>
             </a:extLst>
           </p:cNvPr>
@@ -1450,7 +1450,7 @@
           <a:bodyPr/>
           <a:lstStyle/>
           <a:p>
-            <a:fld id="{5502EC10-8253-4DA3-BCA7-B9D96E197B24}" type="slidenum">
+            <a:fld id="{F6EE921C-092E-4700-8CE1-32E8C7127F03}" type="slidenum">
               <a:rPr lang="zh-CN" altLang="en-US" smtClean="0"/>
               <a:t>‹#›</a:t>
             </a:fld>
@@ -1461,7 +1461,7 @@
     </p:spTree>
     <p:extLst>
       <p:ext uri="{BB962C8B-B14F-4D97-AF65-F5344CB8AC3E}">
-        <p14:creationId xmlns:p14="http://schemas.microsoft.com/office/powerpoint/2010/main" val="1330731747"/>
+        <p14:creationId xmlns:p14="http://schemas.microsoft.com/office/powerpoint/2010/main" val="461184412"/>
       </p:ext>
     </p:extLst>
   </p:cSld>
@@ -1493,7 +1493,7 @@
           <p:cNvPr id="2" name="标题 1">
             <a:extLst>
               <a:ext uri="{FF2B5EF4-FFF2-40B4-BE49-F238E27FC236}">
-                <a16:creationId xmlns:a16="http://schemas.microsoft.com/office/drawing/2014/main" id="{0A0B21C1-785E-7DE6-9B33-A2FFB6FD4D0F}"/>
+                <a16:creationId xmlns:a16="http://schemas.microsoft.com/office/drawing/2014/main" id="{4AB4AD0A-EF73-C0E1-A35D-5163C7D606C9}"/>
               </a:ext>
             </a:extLst>
           </p:cNvPr>
@@ -1526,7 +1526,7 @@
           <p:cNvPr id="3" name="文本占位符 2">
             <a:extLst>
               <a:ext uri="{FF2B5EF4-FFF2-40B4-BE49-F238E27FC236}">
-                <a16:creationId xmlns:a16="http://schemas.microsoft.com/office/drawing/2014/main" id="{DD531CF7-B589-0D57-E932-6461BB734F84}"/>
+                <a16:creationId xmlns:a16="http://schemas.microsoft.com/office/drawing/2014/main" id="{1FB6FA2F-49A4-AEBE-0822-A33C8ABED12E}"/>
               </a:ext>
             </a:extLst>
           </p:cNvPr>
@@ -1597,7 +1597,7 @@
           <p:cNvPr id="4" name="内容占位符 3">
             <a:extLst>
               <a:ext uri="{FF2B5EF4-FFF2-40B4-BE49-F238E27FC236}">
-                <a16:creationId xmlns:a16="http://schemas.microsoft.com/office/drawing/2014/main" id="{F0B5A0A6-365F-A5CB-3D6E-9097A97F87C5}"/>
+                <a16:creationId xmlns:a16="http://schemas.microsoft.com/office/drawing/2014/main" id="{053832A5-019F-E60B-539D-FFA56F48EEDE}"/>
               </a:ext>
             </a:extLst>
           </p:cNvPr>
@@ -1659,7 +1659,7 @@
           <p:cNvPr id="5" name="文本占位符 4">
             <a:extLst>
               <a:ext uri="{FF2B5EF4-FFF2-40B4-BE49-F238E27FC236}">
-                <a16:creationId xmlns:a16="http://schemas.microsoft.com/office/drawing/2014/main" id="{3F396F3E-C8C0-DD72-268C-CF1AF2B85596}"/>
+                <a16:creationId xmlns:a16="http://schemas.microsoft.com/office/drawing/2014/main" id="{E31804F0-5896-04E6-92E3-9DA437BBFFB9}"/>
               </a:ext>
             </a:extLst>
           </p:cNvPr>
@@ -1730,7 +1730,7 @@
           <p:cNvPr id="6" name="内容占位符 5">
             <a:extLst>
               <a:ext uri="{FF2B5EF4-FFF2-40B4-BE49-F238E27FC236}">
-                <a16:creationId xmlns:a16="http://schemas.microsoft.com/office/drawing/2014/main" id="{24561886-98E1-D4EB-728F-17B7F9B6725F}"/>
+                <a16:creationId xmlns:a16="http://schemas.microsoft.com/office/drawing/2014/main" id="{ADD66BF8-8576-C0C7-5259-88141E6E333C}"/>
               </a:ext>
             </a:extLst>
           </p:cNvPr>
@@ -1792,7 +1792,7 @@
           <p:cNvPr id="7" name="日期占位符 6">
             <a:extLst>
               <a:ext uri="{FF2B5EF4-FFF2-40B4-BE49-F238E27FC236}">
-                <a16:creationId xmlns:a16="http://schemas.microsoft.com/office/drawing/2014/main" id="{E4EB90AB-FCB3-40F8-A7CE-3B1901135166}"/>
+                <a16:creationId xmlns:a16="http://schemas.microsoft.com/office/drawing/2014/main" id="{AB4D5999-B486-E089-2D39-3C20A31E1143}"/>
               </a:ext>
             </a:extLst>
           </p:cNvPr>
@@ -1808,7 +1808,7 @@
           <a:bodyPr/>
           <a:lstStyle/>
           <a:p>
-            <a:fld id="{CA93CBF1-AEDE-44F3-B567-A8935244DC5B}" type="datetimeFigureOut">
+            <a:fld id="{DBACFD1F-81FB-4E99-9917-BBD6F94F84A3}" type="datetimeFigureOut">
               <a:rPr lang="zh-CN" altLang="en-US" smtClean="0"/>
               <a:t>2024/3/10</a:t>
             </a:fld>
@@ -1821,7 +1821,7 @@
           <p:cNvPr id="8" name="页脚占位符 7">
             <a:extLst>
               <a:ext uri="{FF2B5EF4-FFF2-40B4-BE49-F238E27FC236}">
-                <a16:creationId xmlns:a16="http://schemas.microsoft.com/office/drawing/2014/main" id="{15E2BE31-867B-FECA-DBF6-B54B68E5F095}"/>
+                <a16:creationId xmlns:a16="http://schemas.microsoft.com/office/drawing/2014/main" id="{E2C4B1AB-D762-E434-3E4F-9F5B9E10B98E}"/>
               </a:ext>
             </a:extLst>
           </p:cNvPr>
@@ -1846,7 +1846,7 @@
           <p:cNvPr id="9" name="灯片编号占位符 8">
             <a:extLst>
               <a:ext uri="{FF2B5EF4-FFF2-40B4-BE49-F238E27FC236}">
-                <a16:creationId xmlns:a16="http://schemas.microsoft.com/office/drawing/2014/main" id="{D459D96F-3FB0-20FA-C915-386BEA5031DC}"/>
+                <a16:creationId xmlns:a16="http://schemas.microsoft.com/office/drawing/2014/main" id="{D7C6B719-4506-12B9-BB4A-9B0BF27DC9F1}"/>
               </a:ext>
             </a:extLst>
           </p:cNvPr>
@@ -1862,7 +1862,7 @@
           <a:bodyPr/>
           <a:lstStyle/>
           <a:p>
-            <a:fld id="{5502EC10-8253-4DA3-BCA7-B9D96E197B24}" type="slidenum">
+            <a:fld id="{F6EE921C-092E-4700-8CE1-32E8C7127F03}" type="slidenum">
               <a:rPr lang="zh-CN" altLang="en-US" smtClean="0"/>
               <a:t>‹#›</a:t>
             </a:fld>
@@ -1873,7 +1873,7 @@
     </p:spTree>
     <p:extLst>
       <p:ext uri="{BB962C8B-B14F-4D97-AF65-F5344CB8AC3E}">
-        <p14:creationId xmlns:p14="http://schemas.microsoft.com/office/powerpoint/2010/main" val="1935699283"/>
+        <p14:creationId xmlns:p14="http://schemas.microsoft.com/office/powerpoint/2010/main" val="1194478082"/>
       </p:ext>
     </p:extLst>
   </p:cSld>
@@ -1905,7 +1905,7 @@
           <p:cNvPr id="2" name="标题 1">
             <a:extLst>
               <a:ext uri="{FF2B5EF4-FFF2-40B4-BE49-F238E27FC236}">
-                <a16:creationId xmlns:a16="http://schemas.microsoft.com/office/drawing/2014/main" id="{6927ACC5-3462-6DF1-DD5D-C8F861D9B52A}"/>
+                <a16:creationId xmlns:a16="http://schemas.microsoft.com/office/drawing/2014/main" id="{25DA5FC8-8322-98BA-518D-2FD625B15ABF}"/>
               </a:ext>
             </a:extLst>
           </p:cNvPr>
@@ -1933,7 +1933,7 @@
           <p:cNvPr id="3" name="日期占位符 2">
             <a:extLst>
               <a:ext uri="{FF2B5EF4-FFF2-40B4-BE49-F238E27FC236}">
-                <a16:creationId xmlns:a16="http://schemas.microsoft.com/office/drawing/2014/main" id="{4BC0285D-48F9-C195-700F-E6DA227870D0}"/>
+                <a16:creationId xmlns:a16="http://schemas.microsoft.com/office/drawing/2014/main" id="{9ED15CA1-224C-D4CF-7382-3D69C4845CBC}"/>
               </a:ext>
             </a:extLst>
           </p:cNvPr>
@@ -1949,7 +1949,7 @@
           <a:bodyPr/>
           <a:lstStyle/>
           <a:p>
-            <a:fld id="{CA93CBF1-AEDE-44F3-B567-A8935244DC5B}" type="datetimeFigureOut">
+            <a:fld id="{DBACFD1F-81FB-4E99-9917-BBD6F94F84A3}" type="datetimeFigureOut">
               <a:rPr lang="zh-CN" altLang="en-US" smtClean="0"/>
               <a:t>2024/3/10</a:t>
             </a:fld>
@@ -1962,7 +1962,7 @@
           <p:cNvPr id="4" name="页脚占位符 3">
             <a:extLst>
               <a:ext uri="{FF2B5EF4-FFF2-40B4-BE49-F238E27FC236}">
-                <a16:creationId xmlns:a16="http://schemas.microsoft.com/office/drawing/2014/main" id="{2764DE7B-6503-1532-4108-888F5D49135A}"/>
+                <a16:creationId xmlns:a16="http://schemas.microsoft.com/office/drawing/2014/main" id="{6B4D5750-35CE-5D8B-8FDE-FFB75FFD8089}"/>
               </a:ext>
             </a:extLst>
           </p:cNvPr>
@@ -1987,7 +1987,7 @@
           <p:cNvPr id="5" name="灯片编号占位符 4">
             <a:extLst>
               <a:ext uri="{FF2B5EF4-FFF2-40B4-BE49-F238E27FC236}">
-                <a16:creationId xmlns:a16="http://schemas.microsoft.com/office/drawing/2014/main" id="{9082BD94-8B14-1078-171E-4B0AD085363D}"/>
+                <a16:creationId xmlns:a16="http://schemas.microsoft.com/office/drawing/2014/main" id="{4D9E0DE0-29FE-32F8-056F-F2EE68C9D210}"/>
               </a:ext>
             </a:extLst>
           </p:cNvPr>
@@ -2003,7 +2003,7 @@
           <a:bodyPr/>
           <a:lstStyle/>
           <a:p>
-            <a:fld id="{5502EC10-8253-4DA3-BCA7-B9D96E197B24}" type="slidenum">
+            <a:fld id="{F6EE921C-092E-4700-8CE1-32E8C7127F03}" type="slidenum">
               <a:rPr lang="zh-CN" altLang="en-US" smtClean="0"/>
               <a:t>‹#›</a:t>
             </a:fld>
@@ -2014,7 +2014,7 @@
     </p:spTree>
     <p:extLst>
       <p:ext uri="{BB962C8B-B14F-4D97-AF65-F5344CB8AC3E}">
-        <p14:creationId xmlns:p14="http://schemas.microsoft.com/office/powerpoint/2010/main" val="1424355943"/>
+        <p14:creationId xmlns:p14="http://schemas.microsoft.com/office/powerpoint/2010/main" val="1904091768"/>
       </p:ext>
     </p:extLst>
   </p:cSld>
@@ -2046,7 +2046,7 @@
           <p:cNvPr id="2" name="日期占位符 1">
             <a:extLst>
               <a:ext uri="{FF2B5EF4-FFF2-40B4-BE49-F238E27FC236}">
-                <a16:creationId xmlns:a16="http://schemas.microsoft.com/office/drawing/2014/main" id="{86806836-4095-B7AC-5465-0F155F03AB49}"/>
+                <a16:creationId xmlns:a16="http://schemas.microsoft.com/office/drawing/2014/main" id="{23699F0D-46C0-E627-F44E-DEA83F37670A}"/>
               </a:ext>
             </a:extLst>
           </p:cNvPr>
@@ -2062,7 +2062,7 @@
           <a:bodyPr/>
           <a:lstStyle/>
           <a:p>
-            <a:fld id="{CA93CBF1-AEDE-44F3-B567-A8935244DC5B}" type="datetimeFigureOut">
+            <a:fld id="{DBACFD1F-81FB-4E99-9917-BBD6F94F84A3}" type="datetimeFigureOut">
               <a:rPr lang="zh-CN" altLang="en-US" smtClean="0"/>
               <a:t>2024/3/10</a:t>
             </a:fld>
@@ -2075,7 +2075,7 @@
           <p:cNvPr id="3" name="页脚占位符 2">
             <a:extLst>
               <a:ext uri="{FF2B5EF4-FFF2-40B4-BE49-F238E27FC236}">
-                <a16:creationId xmlns:a16="http://schemas.microsoft.com/office/drawing/2014/main" id="{A5846A1B-7F78-E69A-151D-A9BCD988C49B}"/>
+                <a16:creationId xmlns:a16="http://schemas.microsoft.com/office/drawing/2014/main" id="{F15EC858-A910-4B97-6FFF-37AFCA457B5B}"/>
               </a:ext>
             </a:extLst>
           </p:cNvPr>
@@ -2100,7 +2100,7 @@
           <p:cNvPr id="4" name="灯片编号占位符 3">
             <a:extLst>
               <a:ext uri="{FF2B5EF4-FFF2-40B4-BE49-F238E27FC236}">
-                <a16:creationId xmlns:a16="http://schemas.microsoft.com/office/drawing/2014/main" id="{DC59A985-07B6-5926-540C-3C413FDF1C50}"/>
+                <a16:creationId xmlns:a16="http://schemas.microsoft.com/office/drawing/2014/main" id="{8AA6F084-89CE-5001-A078-5C3D427AD30C}"/>
               </a:ext>
             </a:extLst>
           </p:cNvPr>
@@ -2116,7 +2116,7 @@
           <a:bodyPr/>
           <a:lstStyle/>
           <a:p>
-            <a:fld id="{5502EC10-8253-4DA3-BCA7-B9D96E197B24}" type="slidenum">
+            <a:fld id="{F6EE921C-092E-4700-8CE1-32E8C7127F03}" type="slidenum">
               <a:rPr lang="zh-CN" altLang="en-US" smtClean="0"/>
               <a:t>‹#›</a:t>
             </a:fld>
@@ -2127,7 +2127,7 @@
     </p:spTree>
     <p:extLst>
       <p:ext uri="{BB962C8B-B14F-4D97-AF65-F5344CB8AC3E}">
-        <p14:creationId xmlns:p14="http://schemas.microsoft.com/office/powerpoint/2010/main" val="3498142333"/>
+        <p14:creationId xmlns:p14="http://schemas.microsoft.com/office/powerpoint/2010/main" val="375122026"/>
       </p:ext>
     </p:extLst>
   </p:cSld>
@@ -2159,7 +2159,7 @@
           <p:cNvPr id="2" name="标题 1">
             <a:extLst>
               <a:ext uri="{FF2B5EF4-FFF2-40B4-BE49-F238E27FC236}">
-                <a16:creationId xmlns:a16="http://schemas.microsoft.com/office/drawing/2014/main" id="{4CF5E620-B321-2BE3-F98D-19CCA662D2EC}"/>
+                <a16:creationId xmlns:a16="http://schemas.microsoft.com/office/drawing/2014/main" id="{442024DA-FF6D-4A18-B3C4-D51C38FF4B87}"/>
               </a:ext>
             </a:extLst>
           </p:cNvPr>
@@ -2196,7 +2196,7 @@
           <p:cNvPr id="3" name="内容占位符 2">
             <a:extLst>
               <a:ext uri="{FF2B5EF4-FFF2-40B4-BE49-F238E27FC236}">
-                <a16:creationId xmlns:a16="http://schemas.microsoft.com/office/drawing/2014/main" id="{D598F2F8-68D7-57A0-A253-150CC42A5127}"/>
+                <a16:creationId xmlns:a16="http://schemas.microsoft.com/office/drawing/2014/main" id="{B2DB4442-FD64-A59C-EA01-6208C8C10707}"/>
               </a:ext>
             </a:extLst>
           </p:cNvPr>
@@ -2286,7 +2286,7 @@
           <p:cNvPr id="4" name="文本占位符 3">
             <a:extLst>
               <a:ext uri="{FF2B5EF4-FFF2-40B4-BE49-F238E27FC236}">
-                <a16:creationId xmlns:a16="http://schemas.microsoft.com/office/drawing/2014/main" id="{A042E20F-88A7-31FA-538A-7B555034F53E}"/>
+                <a16:creationId xmlns:a16="http://schemas.microsoft.com/office/drawing/2014/main" id="{4132940D-8E97-21C2-1686-610E4A9CCEB3}"/>
               </a:ext>
             </a:extLst>
           </p:cNvPr>
@@ -2357,7 +2357,7 @@
           <p:cNvPr id="5" name="日期占位符 4">
             <a:extLst>
               <a:ext uri="{FF2B5EF4-FFF2-40B4-BE49-F238E27FC236}">
-                <a16:creationId xmlns:a16="http://schemas.microsoft.com/office/drawing/2014/main" id="{AC03DA8A-F05C-CD41-F434-68DA4D07C8C9}"/>
+                <a16:creationId xmlns:a16="http://schemas.microsoft.com/office/drawing/2014/main" id="{06B5A69E-4523-014E-685C-44DFBC4AB229}"/>
               </a:ext>
             </a:extLst>
           </p:cNvPr>
@@ -2373,7 +2373,7 @@
           <a:bodyPr/>
           <a:lstStyle/>
           <a:p>
-            <a:fld id="{CA93CBF1-AEDE-44F3-B567-A8935244DC5B}" type="datetimeFigureOut">
+            <a:fld id="{DBACFD1F-81FB-4E99-9917-BBD6F94F84A3}" type="datetimeFigureOut">
               <a:rPr lang="zh-CN" altLang="en-US" smtClean="0"/>
               <a:t>2024/3/10</a:t>
             </a:fld>
@@ -2386,7 +2386,7 @@
           <p:cNvPr id="6" name="页脚占位符 5">
             <a:extLst>
               <a:ext uri="{FF2B5EF4-FFF2-40B4-BE49-F238E27FC236}">
-                <a16:creationId xmlns:a16="http://schemas.microsoft.com/office/drawing/2014/main" id="{F3119BC3-C7F9-DAC1-AA0D-E1C6039BDF5F}"/>
+                <a16:creationId xmlns:a16="http://schemas.microsoft.com/office/drawing/2014/main" id="{B4BE51D0-7C22-38BD-DB89-E9E5290027D5}"/>
               </a:ext>
             </a:extLst>
           </p:cNvPr>
@@ -2411,7 +2411,7 @@
           <p:cNvPr id="7" name="灯片编号占位符 6">
             <a:extLst>
               <a:ext uri="{FF2B5EF4-FFF2-40B4-BE49-F238E27FC236}">
-                <a16:creationId xmlns:a16="http://schemas.microsoft.com/office/drawing/2014/main" id="{82DA9073-618C-2CC9-1B5A-76EF73941C64}"/>
+                <a16:creationId xmlns:a16="http://schemas.microsoft.com/office/drawing/2014/main" id="{7A233D20-30EE-A93E-D742-DE60A923926F}"/>
               </a:ext>
             </a:extLst>
           </p:cNvPr>
@@ -2427,7 +2427,7 @@
           <a:bodyPr/>
           <a:lstStyle/>
           <a:p>
-            <a:fld id="{5502EC10-8253-4DA3-BCA7-B9D96E197B24}" type="slidenum">
+            <a:fld id="{F6EE921C-092E-4700-8CE1-32E8C7127F03}" type="slidenum">
               <a:rPr lang="zh-CN" altLang="en-US" smtClean="0"/>
               <a:t>‹#›</a:t>
             </a:fld>
@@ -2438,7 +2438,7 @@
     </p:spTree>
     <p:extLst>
       <p:ext uri="{BB962C8B-B14F-4D97-AF65-F5344CB8AC3E}">
-        <p14:creationId xmlns:p14="http://schemas.microsoft.com/office/powerpoint/2010/main" val="1121320615"/>
+        <p14:creationId xmlns:p14="http://schemas.microsoft.com/office/powerpoint/2010/main" val="1907338628"/>
       </p:ext>
     </p:extLst>
   </p:cSld>
@@ -2470,7 +2470,7 @@
           <p:cNvPr id="2" name="标题 1">
             <a:extLst>
               <a:ext uri="{FF2B5EF4-FFF2-40B4-BE49-F238E27FC236}">
-                <a16:creationId xmlns:a16="http://schemas.microsoft.com/office/drawing/2014/main" id="{7691F839-C24B-B013-28D8-DADE6E1BBB44}"/>
+                <a16:creationId xmlns:a16="http://schemas.microsoft.com/office/drawing/2014/main" id="{A341AA12-0AA6-BD65-4564-C7CEBF76924F}"/>
               </a:ext>
             </a:extLst>
           </p:cNvPr>
@@ -2507,7 +2507,7 @@
           <p:cNvPr id="3" name="图片占位符 2">
             <a:extLst>
               <a:ext uri="{FF2B5EF4-FFF2-40B4-BE49-F238E27FC236}">
-                <a16:creationId xmlns:a16="http://schemas.microsoft.com/office/drawing/2014/main" id="{EBA6AC7C-4448-C111-8084-4381ECFB2A74}"/>
+                <a16:creationId xmlns:a16="http://schemas.microsoft.com/office/drawing/2014/main" id="{60311A90-AC7C-CACC-FB96-456444EC2CD7}"/>
               </a:ext>
             </a:extLst>
           </p:cNvPr>
@@ -2574,7 +2574,7 @@
           <p:cNvPr id="4" name="文本占位符 3">
             <a:extLst>
               <a:ext uri="{FF2B5EF4-FFF2-40B4-BE49-F238E27FC236}">
-                <a16:creationId xmlns:a16="http://schemas.microsoft.com/office/drawing/2014/main" id="{569D3EFD-6846-A95D-F8CE-94B1545D233B}"/>
+                <a16:creationId xmlns:a16="http://schemas.microsoft.com/office/drawing/2014/main" id="{9E0F6A58-869F-E9D1-77DF-853D247ABC06}"/>
               </a:ext>
             </a:extLst>
           </p:cNvPr>
@@ -2645,7 +2645,7 @@
           <p:cNvPr id="5" name="日期占位符 4">
             <a:extLst>
               <a:ext uri="{FF2B5EF4-FFF2-40B4-BE49-F238E27FC236}">
-                <a16:creationId xmlns:a16="http://schemas.microsoft.com/office/drawing/2014/main" id="{8675ED55-15C8-8F28-D52C-A6319D98ABEC}"/>
+                <a16:creationId xmlns:a16="http://schemas.microsoft.com/office/drawing/2014/main" id="{29F767AA-2669-1D6F-D641-1D709B03394F}"/>
               </a:ext>
             </a:extLst>
           </p:cNvPr>
@@ -2661,7 +2661,7 @@
           <a:bodyPr/>
           <a:lstStyle/>
           <a:p>
-            <a:fld id="{CA93CBF1-AEDE-44F3-B567-A8935244DC5B}" type="datetimeFigureOut">
+            <a:fld id="{DBACFD1F-81FB-4E99-9917-BBD6F94F84A3}" type="datetimeFigureOut">
               <a:rPr lang="zh-CN" altLang="en-US" smtClean="0"/>
               <a:t>2024/3/10</a:t>
             </a:fld>
@@ -2674,7 +2674,7 @@
           <p:cNvPr id="6" name="页脚占位符 5">
             <a:extLst>
               <a:ext uri="{FF2B5EF4-FFF2-40B4-BE49-F238E27FC236}">
-                <a16:creationId xmlns:a16="http://schemas.microsoft.com/office/drawing/2014/main" id="{1F1CD500-FBB7-0945-3B74-961EFB52B957}"/>
+                <a16:creationId xmlns:a16="http://schemas.microsoft.com/office/drawing/2014/main" id="{B06102A5-0B63-5972-92F7-580856161963}"/>
               </a:ext>
             </a:extLst>
           </p:cNvPr>
@@ -2699,7 +2699,7 @@
           <p:cNvPr id="7" name="灯片编号占位符 6">
             <a:extLst>
               <a:ext uri="{FF2B5EF4-FFF2-40B4-BE49-F238E27FC236}">
-                <a16:creationId xmlns:a16="http://schemas.microsoft.com/office/drawing/2014/main" id="{F77A787E-928C-A8D2-B2F5-2A7B4944825E}"/>
+                <a16:creationId xmlns:a16="http://schemas.microsoft.com/office/drawing/2014/main" id="{A876676D-8936-6B18-31AF-0E38109F34A0}"/>
               </a:ext>
             </a:extLst>
           </p:cNvPr>
@@ -2715,7 +2715,7 @@
           <a:bodyPr/>
           <a:lstStyle/>
           <a:p>
-            <a:fld id="{5502EC10-8253-4DA3-BCA7-B9D96E197B24}" type="slidenum">
+            <a:fld id="{F6EE921C-092E-4700-8CE1-32E8C7127F03}" type="slidenum">
               <a:rPr lang="zh-CN" altLang="en-US" smtClean="0"/>
               <a:t>‹#›</a:t>
             </a:fld>
@@ -2726,7 +2726,7 @@
     </p:spTree>
     <p:extLst>
       <p:ext uri="{BB962C8B-B14F-4D97-AF65-F5344CB8AC3E}">
-        <p14:creationId xmlns:p14="http://schemas.microsoft.com/office/powerpoint/2010/main" val="1304055759"/>
+        <p14:creationId xmlns:p14="http://schemas.microsoft.com/office/powerpoint/2010/main" val="3214009190"/>
       </p:ext>
     </p:extLst>
   </p:cSld>
@@ -2763,7 +2763,7 @@
           <p:cNvPr id="2" name="标题占位符 1">
             <a:extLst>
               <a:ext uri="{FF2B5EF4-FFF2-40B4-BE49-F238E27FC236}">
-                <a16:creationId xmlns:a16="http://schemas.microsoft.com/office/drawing/2014/main" id="{498D3CF3-259F-BEBB-D95C-4661D634EDE4}"/>
+                <a16:creationId xmlns:a16="http://schemas.microsoft.com/office/drawing/2014/main" id="{585D1AB3-F03E-B3ED-CAE9-330C366BB25F}"/>
               </a:ext>
             </a:extLst>
           </p:cNvPr>
@@ -2801,7 +2801,7 @@
           <p:cNvPr id="3" name="文本占位符 2">
             <a:extLst>
               <a:ext uri="{FF2B5EF4-FFF2-40B4-BE49-F238E27FC236}">
-                <a16:creationId xmlns:a16="http://schemas.microsoft.com/office/drawing/2014/main" id="{D996DDA2-12B1-8BBA-FCB7-8DF41B67200F}"/>
+                <a16:creationId xmlns:a16="http://schemas.microsoft.com/office/drawing/2014/main" id="{408C0C33-39FF-FAFB-03E1-0256AAC587B0}"/>
               </a:ext>
             </a:extLst>
           </p:cNvPr>
@@ -2868,7 +2868,7 @@
           <p:cNvPr id="4" name="日期占位符 3">
             <a:extLst>
               <a:ext uri="{FF2B5EF4-FFF2-40B4-BE49-F238E27FC236}">
-                <a16:creationId xmlns:a16="http://schemas.microsoft.com/office/drawing/2014/main" id="{048CEAA2-0603-B0EE-CBDF-13FC24FCFBE9}"/>
+                <a16:creationId xmlns:a16="http://schemas.microsoft.com/office/drawing/2014/main" id="{6129CAEE-6C60-4B5B-B1FF-0E1322A72E2A}"/>
               </a:ext>
             </a:extLst>
           </p:cNvPr>
@@ -2902,7 +2902,7 @@
             </a:lvl1pPr>
           </a:lstStyle>
           <a:p>
-            <a:fld id="{CA93CBF1-AEDE-44F3-B567-A8935244DC5B}" type="datetimeFigureOut">
+            <a:fld id="{DBACFD1F-81FB-4E99-9917-BBD6F94F84A3}" type="datetimeFigureOut">
               <a:rPr lang="zh-CN" altLang="en-US" smtClean="0"/>
               <a:t>2024/3/10</a:t>
             </a:fld>
@@ -2915,7 +2915,7 @@
           <p:cNvPr id="5" name="页脚占位符 4">
             <a:extLst>
               <a:ext uri="{FF2B5EF4-FFF2-40B4-BE49-F238E27FC236}">
-                <a16:creationId xmlns:a16="http://schemas.microsoft.com/office/drawing/2014/main" id="{BC5F41FF-0090-CD8E-B6BA-6500032721C0}"/>
+                <a16:creationId xmlns:a16="http://schemas.microsoft.com/office/drawing/2014/main" id="{9158392C-9DCA-D65A-B287-AB1C6A788C35}"/>
               </a:ext>
             </a:extLst>
           </p:cNvPr>
@@ -2958,7 +2958,7 @@
           <p:cNvPr id="6" name="灯片编号占位符 5">
             <a:extLst>
               <a:ext uri="{FF2B5EF4-FFF2-40B4-BE49-F238E27FC236}">
-                <a16:creationId xmlns:a16="http://schemas.microsoft.com/office/drawing/2014/main" id="{A9CF69D0-0E7E-BBA7-2025-59C0042BE6F0}"/>
+                <a16:creationId xmlns:a16="http://schemas.microsoft.com/office/drawing/2014/main" id="{BA089E9B-32C2-F144-FA1D-1737DC8B4923}"/>
               </a:ext>
             </a:extLst>
           </p:cNvPr>
@@ -2992,7 +2992,7 @@
             </a:lvl1pPr>
           </a:lstStyle>
           <a:p>
-            <a:fld id="{5502EC10-8253-4DA3-BCA7-B9D96E197B24}" type="slidenum">
+            <a:fld id="{F6EE921C-092E-4700-8CE1-32E8C7127F03}" type="slidenum">
               <a:rPr lang="zh-CN" altLang="en-US" smtClean="0"/>
               <a:t>‹#›</a:t>
             </a:fld>
@@ -3003,7 +3003,7 @@
     </p:spTree>
     <p:extLst>
       <p:ext uri="{BB962C8B-B14F-4D97-AF65-F5344CB8AC3E}">
-        <p14:creationId xmlns:p14="http://schemas.microsoft.com/office/powerpoint/2010/main" val="4173184359"/>
+        <p14:creationId xmlns:p14="http://schemas.microsoft.com/office/powerpoint/2010/main" val="1693598052"/>
       </p:ext>
     </p:extLst>
   </p:cSld>
